--- a/img/SolarFarmMonitoringSystem.pptx
+++ b/img/SolarFarmMonitoringSystem.pptx
@@ -296,7 +296,7 @@
           <a:p>
             <a:fld id="{55A57086-D6FA-4E45-B715-BE0DA2972FC2}" type="datetimeFigureOut">
               <a:rPr kumimoji="1" lang="ja-JP" altLang="en-US" smtClean="0"/>
-              <a:t>2015/7/22</a:t>
+              <a:t>2015/7/24</a:t>
             </a:fld>
             <a:endParaRPr kumimoji="1" lang="ja-JP" altLang="en-US"/>
           </a:p>
@@ -498,7 +498,7 @@
           <a:p>
             <a:fld id="{55A57086-D6FA-4E45-B715-BE0DA2972FC2}" type="datetimeFigureOut">
               <a:rPr kumimoji="1" lang="ja-JP" altLang="en-US" smtClean="0"/>
-              <a:t>2015/7/22</a:t>
+              <a:t>2015/7/24</a:t>
             </a:fld>
             <a:endParaRPr kumimoji="1" lang="ja-JP" altLang="en-US"/>
           </a:p>
@@ -710,7 +710,7 @@
           <a:p>
             <a:fld id="{55A57086-D6FA-4E45-B715-BE0DA2972FC2}" type="datetimeFigureOut">
               <a:rPr kumimoji="1" lang="ja-JP" altLang="en-US" smtClean="0"/>
-              <a:t>2015/7/22</a:t>
+              <a:t>2015/7/24</a:t>
             </a:fld>
             <a:endParaRPr kumimoji="1" lang="ja-JP" altLang="en-US"/>
           </a:p>
@@ -912,7 +912,7 @@
           <a:p>
             <a:fld id="{55A57086-D6FA-4E45-B715-BE0DA2972FC2}" type="datetimeFigureOut">
               <a:rPr kumimoji="1" lang="ja-JP" altLang="en-US" smtClean="0"/>
-              <a:t>2015/7/22</a:t>
+              <a:t>2015/7/24</a:t>
             </a:fld>
             <a:endParaRPr kumimoji="1" lang="ja-JP" altLang="en-US"/>
           </a:p>
@@ -1158,7 +1158,7 @@
           <a:p>
             <a:fld id="{55A57086-D6FA-4E45-B715-BE0DA2972FC2}" type="datetimeFigureOut">
               <a:rPr kumimoji="1" lang="ja-JP" altLang="en-US" smtClean="0"/>
-              <a:t>2015/7/22</a:t>
+              <a:t>2015/7/24</a:t>
             </a:fld>
             <a:endParaRPr kumimoji="1" lang="ja-JP" altLang="en-US"/>
           </a:p>
@@ -1510,7 +1510,7 @@
           <a:p>
             <a:fld id="{55A57086-D6FA-4E45-B715-BE0DA2972FC2}" type="datetimeFigureOut">
               <a:rPr kumimoji="1" lang="ja-JP" altLang="en-US" smtClean="0"/>
-              <a:t>2015/7/22</a:t>
+              <a:t>2015/7/24</a:t>
             </a:fld>
             <a:endParaRPr kumimoji="1" lang="ja-JP" altLang="en-US"/>
           </a:p>
@@ -1996,7 +1996,7 @@
           <a:p>
             <a:fld id="{55A57086-D6FA-4E45-B715-BE0DA2972FC2}" type="datetimeFigureOut">
               <a:rPr kumimoji="1" lang="ja-JP" altLang="en-US" smtClean="0"/>
-              <a:t>2015/7/22</a:t>
+              <a:t>2015/7/24</a:t>
             </a:fld>
             <a:endParaRPr kumimoji="1" lang="ja-JP" altLang="en-US"/>
           </a:p>
@@ -2114,7 +2114,7 @@
           <a:p>
             <a:fld id="{55A57086-D6FA-4E45-B715-BE0DA2972FC2}" type="datetimeFigureOut">
               <a:rPr kumimoji="1" lang="ja-JP" altLang="en-US" smtClean="0"/>
-              <a:t>2015/7/22</a:t>
+              <a:t>2015/7/24</a:t>
             </a:fld>
             <a:endParaRPr kumimoji="1" lang="ja-JP" altLang="en-US"/>
           </a:p>
@@ -2209,7 +2209,7 @@
           <a:p>
             <a:fld id="{55A57086-D6FA-4E45-B715-BE0DA2972FC2}" type="datetimeFigureOut">
               <a:rPr kumimoji="1" lang="ja-JP" altLang="en-US" smtClean="0"/>
-              <a:t>2015/7/22</a:t>
+              <a:t>2015/7/24</a:t>
             </a:fld>
             <a:endParaRPr kumimoji="1" lang="ja-JP" altLang="en-US"/>
           </a:p>
@@ -2518,7 +2518,7 @@
           <a:p>
             <a:fld id="{55A57086-D6FA-4E45-B715-BE0DA2972FC2}" type="datetimeFigureOut">
               <a:rPr kumimoji="1" lang="ja-JP" altLang="en-US" smtClean="0"/>
-              <a:t>2015/7/22</a:t>
+              <a:t>2015/7/24</a:t>
             </a:fld>
             <a:endParaRPr kumimoji="1" lang="ja-JP" altLang="en-US"/>
           </a:p>
@@ -2771,7 +2771,7 @@
           <a:p>
             <a:fld id="{55A57086-D6FA-4E45-B715-BE0DA2972FC2}" type="datetimeFigureOut">
               <a:rPr kumimoji="1" lang="ja-JP" altLang="en-US" smtClean="0"/>
-              <a:t>2015/7/22</a:t>
+              <a:t>2015/7/24</a:t>
             </a:fld>
             <a:endParaRPr kumimoji="1" lang="ja-JP" altLang="en-US"/>
           </a:p>
@@ -3016,7 +3016,7 @@
           <a:p>
             <a:fld id="{55A57086-D6FA-4E45-B715-BE0DA2972FC2}" type="datetimeFigureOut">
               <a:rPr kumimoji="1" lang="ja-JP" altLang="en-US" smtClean="0"/>
-              <a:t>2015/7/22</a:t>
+              <a:t>2015/7/24</a:t>
             </a:fld>
             <a:endParaRPr kumimoji="1" lang="ja-JP" altLang="en-US"/>
           </a:p>
@@ -8640,7 +8640,7 @@
         </p:nvSpPr>
         <p:spPr>
           <a:xfrm>
-            <a:off x="3587571" y="2852936"/>
+            <a:off x="3560346" y="3018256"/>
             <a:ext cx="2087834" cy="768858"/>
           </a:xfrm>
           <a:prstGeom prst="wedgeRoundRectCallout">
@@ -8875,13 +8875,13 @@
         </p:nvSpPr>
         <p:spPr>
           <a:xfrm>
-            <a:off x="5035061" y="1679125"/>
-            <a:ext cx="4067944" cy="1195493"/>
+            <a:off x="4067944" y="1679125"/>
+            <a:ext cx="5035061" cy="1195493"/>
           </a:xfrm>
           <a:prstGeom prst="wedgeRoundRectCallout">
             <a:avLst>
-              <a:gd name="adj1" fmla="val -18006"/>
-              <a:gd name="adj2" fmla="val 78997"/>
+              <a:gd name="adj1" fmla="val 3928"/>
+              <a:gd name="adj2" fmla="val 67077"/>
               <a:gd name="adj3" fmla="val 16667"/>
             </a:avLst>
           </a:prstGeom>
@@ -8914,7 +8914,49 @@
                 <a:latin typeface="HGSｺﾞｼｯｸM" panose="020B0600000000000000" pitchFamily="50" charset="-128"/>
                 <a:ea typeface="HGSｺﾞｼｯｸM" panose="020B0600000000000000" pitchFamily="50" charset="-128"/>
               </a:rPr>
-              <a:t>The solar panels send a power generation(watt) data at regular intervals.</a:t>
+              <a:t>The solar panels send </a:t>
+            </a:r>
+            <a:r>
+              <a:rPr lang="en-US" altLang="ja-JP" sz="1400" dirty="0">
+                <a:latin typeface="Consolas" panose="020B0609020204030204" pitchFamily="49" charset="0"/>
+                <a:ea typeface="メイリオ" panose="020B0604030504040204" pitchFamily="50" charset="-128"/>
+              </a:rPr>
+              <a:t>amount of power </a:t>
+            </a:r>
+            <a:r>
+              <a:rPr lang="en-US" altLang="ja-JP" sz="1400" dirty="0" smtClean="0">
+                <a:latin typeface="Consolas" panose="020B0609020204030204" pitchFamily="49" charset="0"/>
+                <a:ea typeface="メイリオ" panose="020B0604030504040204" pitchFamily="50" charset="-128"/>
+              </a:rPr>
+              <a:t>generation</a:t>
+            </a:r>
+            <a:r>
+              <a:rPr lang="en-US" altLang="ja-JP" sz="1400" dirty="0" smtClean="0">
+                <a:latin typeface="HGSｺﾞｼｯｸM" panose="020B0600000000000000" pitchFamily="50" charset="-128"/>
+                <a:ea typeface="HGSｺﾞｼｯｸM" panose="020B0600000000000000" pitchFamily="50" charset="-128"/>
+              </a:rPr>
+              <a:t>(watt</a:t>
+            </a:r>
+            <a:r>
+              <a:rPr lang="en-US" altLang="ja-JP" sz="1400" dirty="0">
+                <a:latin typeface="HGSｺﾞｼｯｸM" panose="020B0600000000000000" pitchFamily="50" charset="-128"/>
+                <a:ea typeface="HGSｺﾞｼｯｸM" panose="020B0600000000000000" pitchFamily="50" charset="-128"/>
+              </a:rPr>
+              <a:t>) </a:t>
+            </a:r>
+            <a:r>
+              <a:rPr lang="en-US" altLang="ja-JP" sz="1400" dirty="0" smtClean="0">
+                <a:latin typeface="HGSｺﾞｼｯｸM" panose="020B0600000000000000" pitchFamily="50" charset="-128"/>
+                <a:ea typeface="HGSｺﾞｼｯｸM" panose="020B0600000000000000" pitchFamily="50" charset="-128"/>
+              </a:rPr>
+              <a:t>at </a:t>
+            </a:r>
+            <a:r>
+              <a:rPr lang="en-US" altLang="ja-JP" sz="1400" dirty="0">
+                <a:latin typeface="HGSｺﾞｼｯｸM" panose="020B0600000000000000" pitchFamily="50" charset="-128"/>
+                <a:ea typeface="HGSｺﾞｼｯｸM" panose="020B0600000000000000" pitchFamily="50" charset="-128"/>
+              </a:rPr>
+              <a:t>regular intervals.</a:t>
             </a:r>
           </a:p>
           <a:p>
@@ -8942,11 +8984,32 @@
               <a:t>10-100 </a:t>
             </a:r>
             <a:r>
+              <a:rPr lang="en-US" altLang="ja-JP" sz="1400" dirty="0" smtClean="0">
+                <a:latin typeface="HGSｺﾞｼｯｸM" panose="020B0600000000000000" pitchFamily="50" charset="-128"/>
+                <a:ea typeface="HGSｺﾞｼｯｸM" panose="020B0600000000000000" pitchFamily="50" charset="-128"/>
+              </a:rPr>
+              <a:t>thousands</a:t>
+            </a:r>
+            <a:r>
+              <a:rPr lang="ja-JP" altLang="en-US" sz="1400" dirty="0" smtClean="0">
+                <a:latin typeface="HGSｺﾞｼｯｸM" panose="020B0600000000000000" pitchFamily="50" charset="-128"/>
+                <a:ea typeface="HGSｺﾞｼｯｸM" panose="020B0600000000000000" pitchFamily="50" charset="-128"/>
+              </a:rPr>
+              <a:t> </a:t>
+            </a:r>
+            <a:r>
+              <a:rPr lang="en-US" altLang="ja-JP" sz="1400" dirty="0" smtClean="0">
+                <a:latin typeface="HGSｺﾞｼｯｸM" panose="020B0600000000000000" pitchFamily="50" charset="-128"/>
+                <a:ea typeface="HGSｺﾞｼｯｸM" panose="020B0600000000000000" pitchFamily="50" charset="-128"/>
+              </a:rPr>
+              <a:t>of </a:t>
+            </a:r>
+            <a:r>
               <a:rPr lang="en-US" altLang="ja-JP" sz="1400" dirty="0">
                 <a:latin typeface="HGSｺﾞｼｯｸM" panose="020B0600000000000000" pitchFamily="50" charset="-128"/>
                 <a:ea typeface="HGSｺﾞｼｯｸM" panose="020B0600000000000000" pitchFamily="50" charset="-128"/>
               </a:rPr>
-              <a:t>thousands panels are being assumed.</a:t>
+              <a:t>panels are being assumed.</a:t>
             </a:r>
           </a:p>
         </p:txBody>
